--- a/docs/diagrams/UiComponentClassDiagram.pptx
+++ b/docs/diagrams/UiComponentClassDiagram.pptx
@@ -208,7 +208,7 @@
           <a:p>
             <a:fld id="{F5CC4B3F-88C1-4FFA-B1B6-F41C21DC6924}" type="datetimeFigureOut">
               <a:rPr lang="en-US" smtClean="0"/>
-              <a:t>1/7/2017</a:t>
+              <a:t>11/12/17</a:t>
             </a:fld>
             <a:endParaRPr lang="en-US"/>
           </a:p>
@@ -654,7 +654,7 @@
           <a:p>
             <a:fld id="{78C97017-6FC3-485B-9764-EAC9E56C1D49}" type="datetimeFigureOut">
               <a:rPr lang="en-US" smtClean="0"/>
-              <a:t>1/7/2017</a:t>
+              <a:t>11/12/17</a:t>
             </a:fld>
             <a:endParaRPr lang="en-US"/>
           </a:p>
@@ -822,7 +822,7 @@
           <a:p>
             <a:fld id="{78C97017-6FC3-485B-9764-EAC9E56C1D49}" type="datetimeFigureOut">
               <a:rPr lang="en-US" smtClean="0"/>
-              <a:t>1/7/2017</a:t>
+              <a:t>11/12/17</a:t>
             </a:fld>
             <a:endParaRPr lang="en-US"/>
           </a:p>
@@ -1000,7 +1000,7 @@
           <a:p>
             <a:fld id="{78C97017-6FC3-485B-9764-EAC9E56C1D49}" type="datetimeFigureOut">
               <a:rPr lang="en-US" smtClean="0"/>
-              <a:t>1/7/2017</a:t>
+              <a:t>11/12/17</a:t>
             </a:fld>
             <a:endParaRPr lang="en-US"/>
           </a:p>
@@ -1168,7 +1168,7 @@
           <a:p>
             <a:fld id="{78C97017-6FC3-485B-9764-EAC9E56C1D49}" type="datetimeFigureOut">
               <a:rPr lang="en-US" smtClean="0"/>
-              <a:t>1/7/2017</a:t>
+              <a:t>11/12/17</a:t>
             </a:fld>
             <a:endParaRPr lang="en-US"/>
           </a:p>
@@ -1413,7 +1413,7 @@
           <a:p>
             <a:fld id="{78C97017-6FC3-485B-9764-EAC9E56C1D49}" type="datetimeFigureOut">
               <a:rPr lang="en-US" smtClean="0"/>
-              <a:t>1/7/2017</a:t>
+              <a:t>11/12/17</a:t>
             </a:fld>
             <a:endParaRPr lang="en-US"/>
           </a:p>
@@ -1698,7 +1698,7 @@
           <a:p>
             <a:fld id="{78C97017-6FC3-485B-9764-EAC9E56C1D49}" type="datetimeFigureOut">
               <a:rPr lang="en-US" smtClean="0"/>
-              <a:t>1/7/2017</a:t>
+              <a:t>11/12/17</a:t>
             </a:fld>
             <a:endParaRPr lang="en-US"/>
           </a:p>
@@ -2117,7 +2117,7 @@
           <a:p>
             <a:fld id="{78C97017-6FC3-485B-9764-EAC9E56C1D49}" type="datetimeFigureOut">
               <a:rPr lang="en-US" smtClean="0"/>
-              <a:t>1/7/2017</a:t>
+              <a:t>11/12/17</a:t>
             </a:fld>
             <a:endParaRPr lang="en-US"/>
           </a:p>
@@ -2234,7 +2234,7 @@
           <a:p>
             <a:fld id="{78C97017-6FC3-485B-9764-EAC9E56C1D49}" type="datetimeFigureOut">
               <a:rPr lang="en-US" smtClean="0"/>
-              <a:t>1/7/2017</a:t>
+              <a:t>11/12/17</a:t>
             </a:fld>
             <a:endParaRPr lang="en-US"/>
           </a:p>
@@ -2329,7 +2329,7 @@
           <a:p>
             <a:fld id="{78C97017-6FC3-485B-9764-EAC9E56C1D49}" type="datetimeFigureOut">
               <a:rPr lang="en-US" smtClean="0"/>
-              <a:t>1/7/2017</a:t>
+              <a:t>11/12/17</a:t>
             </a:fld>
             <a:endParaRPr lang="en-US"/>
           </a:p>
@@ -2604,7 +2604,7 @@
           <a:p>
             <a:fld id="{78C97017-6FC3-485B-9764-EAC9E56C1D49}" type="datetimeFigureOut">
               <a:rPr lang="en-US" smtClean="0"/>
-              <a:t>1/7/2017</a:t>
+              <a:t>11/12/17</a:t>
             </a:fld>
             <a:endParaRPr lang="en-US"/>
           </a:p>
@@ -2856,7 +2856,7 @@
           <a:p>
             <a:fld id="{78C97017-6FC3-485B-9764-EAC9E56C1D49}" type="datetimeFigureOut">
               <a:rPr lang="en-US" smtClean="0"/>
-              <a:t>1/7/2017</a:t>
+              <a:t>11/12/17</a:t>
             </a:fld>
             <a:endParaRPr lang="en-US"/>
           </a:p>
@@ -3067,7 +3067,7 @@
           <a:p>
             <a:fld id="{78C97017-6FC3-485B-9764-EAC9E56C1D49}" type="datetimeFigureOut">
               <a:rPr lang="en-US" smtClean="0"/>
-              <a:t>1/7/2017</a:t>
+              <a:t>11/12/17</a:t>
             </a:fld>
             <a:endParaRPr lang="en-US"/>
           </a:p>
@@ -3451,7 +3451,7 @@
         <p:spPr>
           <a:xfrm>
             <a:off x="1217465" y="1447800"/>
-            <a:ext cx="4917083" cy="3962400"/>
+            <a:ext cx="4917083" cy="4800600"/>
           </a:xfrm>
           <a:prstGeom prst="roundRect">
             <a:avLst>
@@ -5437,6 +5437,360 @@
           <a:xfrm flipV="1">
             <a:off x="4114799" y="4472708"/>
             <a:ext cx="2642195" cy="101600"/>
+          </a:xfrm>
+          <a:custGeom>
+            <a:avLst/>
+            <a:gdLst>
+              <a:gd name="connsiteX0" fmla="*/ 0 w 3048000"/>
+              <a:gd name="connsiteY0" fmla="*/ 203200 h 203200"/>
+              <a:gd name="connsiteX1" fmla="*/ 221673 w 3048000"/>
+              <a:gd name="connsiteY1" fmla="*/ 0 h 203200"/>
+              <a:gd name="connsiteX2" fmla="*/ 3048000 w 3048000"/>
+              <a:gd name="connsiteY2" fmla="*/ 0 h 203200"/>
+            </a:gdLst>
+            <a:ahLst/>
+            <a:cxnLst>
+              <a:cxn ang="0">
+                <a:pos x="connsiteX0" y="connsiteY0"/>
+              </a:cxn>
+              <a:cxn ang="0">
+                <a:pos x="connsiteX1" y="connsiteY1"/>
+              </a:cxn>
+              <a:cxn ang="0">
+                <a:pos x="connsiteX2" y="connsiteY2"/>
+              </a:cxn>
+            </a:cxnLst>
+            <a:rect l="l" t="t" r="r" b="b"/>
+            <a:pathLst>
+              <a:path w="3048000" h="203200">
+                <a:moveTo>
+                  <a:pt x="0" y="203200"/>
+                </a:moveTo>
+                <a:lnTo>
+                  <a:pt x="221673" y="0"/>
+                </a:lnTo>
+                <a:lnTo>
+                  <a:pt x="3048000" y="0"/>
+                </a:lnTo>
+              </a:path>
+            </a:pathLst>
+          </a:custGeom>
+          <a:noFill/>
+          <a:ln w="19050">
+            <a:solidFill>
+              <a:schemeClr val="accent3"/>
+            </a:solidFill>
+            <a:prstDash val="sysDot"/>
+            <a:headEnd type="none" w="med" len="med"/>
+            <a:tailEnd type="arrow" w="med" len="med"/>
+          </a:ln>
+          <a:effectLst/>
+        </p:spPr>
+        <p:style>
+          <a:lnRef idx="1">
+            <a:schemeClr val="accent2"/>
+          </a:lnRef>
+          <a:fillRef idx="2">
+            <a:schemeClr val="accent2"/>
+          </a:fillRef>
+          <a:effectRef idx="1">
+            <a:schemeClr val="accent2"/>
+          </a:effectRef>
+          <a:fontRef idx="minor">
+            <a:schemeClr val="dk1"/>
+          </a:fontRef>
+        </p:style>
+        <p:txBody>
+          <a:bodyPr rtlCol="0" anchor="ctr"/>
+          <a:lstStyle/>
+          <a:p>
+            <a:pPr algn="ctr"/>
+            <a:endParaRPr lang="en-SG"/>
+          </a:p>
+        </p:txBody>
+      </p:sp>
+      <p:cxnSp>
+        <p:nvCxnSpPr>
+          <p:cNvPr id="46" name="Elbow Connector 63"/>
+          <p:cNvCxnSpPr/>
+          <p:nvPr/>
+        </p:nvCxnSpPr>
+        <p:spPr>
+          <a:xfrm rot="16200000" flipH="1">
+            <a:off x="1881421" y="4817066"/>
+            <a:ext cx="1242356" cy="176400"/>
+          </a:xfrm>
+          <a:prstGeom prst="bentConnector2">
+            <a:avLst/>
+          </a:prstGeom>
+          <a:ln w="19050">
+            <a:solidFill>
+              <a:schemeClr val="accent3"/>
+            </a:solidFill>
+            <a:headEnd type="none" w="med" len="med"/>
+            <a:tailEnd type="arrow" w="med" len="med"/>
+          </a:ln>
+          <a:effectLst/>
+        </p:spPr>
+        <p:style>
+          <a:lnRef idx="1">
+            <a:schemeClr val="accent2"/>
+          </a:lnRef>
+          <a:fillRef idx="2">
+            <a:schemeClr val="accent2"/>
+          </a:fillRef>
+          <a:effectRef idx="1">
+            <a:schemeClr val="accent2"/>
+          </a:effectRef>
+          <a:fontRef idx="minor">
+            <a:schemeClr val="dk1"/>
+          </a:fontRef>
+        </p:style>
+      </p:cxnSp>
+      <p:sp>
+        <p:nvSpPr>
+          <p:cNvPr id="48" name="Rectangle 11"/>
+          <p:cNvSpPr/>
+          <p:nvPr/>
+        </p:nvSpPr>
+        <p:spPr>
+          <a:xfrm>
+            <a:off x="2566762" y="5408023"/>
+            <a:ext cx="1093635" cy="236841"/>
+          </a:xfrm>
+          <a:prstGeom prst="rect">
+            <a:avLst/>
+          </a:prstGeom>
+          <a:ln w="19050">
+            <a:solidFill>
+              <a:schemeClr val="accent3"/>
+            </a:solidFill>
+          </a:ln>
+          <a:effectLst/>
+        </p:spPr>
+        <p:style>
+          <a:lnRef idx="1">
+            <a:schemeClr val="accent3"/>
+          </a:lnRef>
+          <a:fillRef idx="2">
+            <a:schemeClr val="accent3"/>
+          </a:fillRef>
+          <a:effectRef idx="1">
+            <a:schemeClr val="accent3"/>
+          </a:effectRef>
+          <a:fontRef idx="minor">
+            <a:schemeClr val="dk1"/>
+          </a:fontRef>
+        </p:style>
+        <p:txBody>
+          <a:bodyPr rtlCol="0" anchor="ctr"/>
+          <a:lstStyle/>
+          <a:p>
+            <a:pPr algn="ctr"/>
+            <a:r>
+              <a:rPr lang="en-US" sz="1050" b="1" dirty="0" err="1" smtClean="0">
+                <a:solidFill>
+                  <a:schemeClr val="accent3">
+                    <a:lumMod val="75000"/>
+                  </a:schemeClr>
+                </a:solidFill>
+              </a:rPr>
+              <a:t>TaskListPanel</a:t>
+            </a:r>
+            <a:endParaRPr lang="en-SG" sz="1050" b="1" dirty="0">
+              <a:solidFill>
+                <a:schemeClr val="accent3">
+                  <a:lumMod val="75000"/>
+                </a:schemeClr>
+              </a:solidFill>
+            </a:endParaRPr>
+          </a:p>
+        </p:txBody>
+      </p:sp>
+      <p:cxnSp>
+        <p:nvCxnSpPr>
+          <p:cNvPr id="49" name="Elbow Connector 63"/>
+          <p:cNvCxnSpPr/>
+          <p:nvPr/>
+        </p:nvCxnSpPr>
+        <p:spPr>
+          <a:xfrm rot="5400000">
+            <a:off x="3694147" y="3696836"/>
+            <a:ext cx="1824381" cy="1843808"/>
+          </a:xfrm>
+          <a:prstGeom prst="bentConnector2">
+            <a:avLst/>
+          </a:prstGeom>
+          <a:ln w="6350">
+            <a:solidFill>
+              <a:schemeClr val="accent3"/>
+            </a:solidFill>
+            <a:headEnd type="none" w="med" len="med"/>
+            <a:tailEnd type="none" w="med" len="med"/>
+          </a:ln>
+          <a:effectLst/>
+        </p:spPr>
+        <p:style>
+          <a:lnRef idx="1">
+            <a:schemeClr val="accent2"/>
+          </a:lnRef>
+          <a:fillRef idx="2">
+            <a:schemeClr val="accent2"/>
+          </a:fillRef>
+          <a:effectRef idx="1">
+            <a:schemeClr val="accent2"/>
+          </a:effectRef>
+          <a:fontRef idx="minor">
+            <a:schemeClr val="dk1"/>
+          </a:fontRef>
+        </p:style>
+      </p:cxnSp>
+      <p:cxnSp>
+        <p:nvCxnSpPr>
+          <p:cNvPr id="51" name="Elbow Connector 50"/>
+          <p:cNvCxnSpPr/>
+          <p:nvPr/>
+        </p:nvCxnSpPr>
+        <p:spPr>
+          <a:xfrm rot="16200000" flipH="1">
+            <a:off x="3404547" y="5348786"/>
+            <a:ext cx="118421" cy="699979"/>
+          </a:xfrm>
+          <a:prstGeom prst="bentConnector2">
+            <a:avLst/>
+          </a:prstGeom>
+          <a:ln w="19050">
+            <a:solidFill>
+              <a:schemeClr val="accent3"/>
+            </a:solidFill>
+            <a:headEnd type="none" w="med" len="med"/>
+            <a:tailEnd type="arrow" w="med" len="med"/>
+          </a:ln>
+          <a:effectLst/>
+        </p:spPr>
+        <p:style>
+          <a:lnRef idx="1">
+            <a:schemeClr val="accent2"/>
+          </a:lnRef>
+          <a:fillRef idx="2">
+            <a:schemeClr val="accent2"/>
+          </a:fillRef>
+          <a:effectRef idx="1">
+            <a:schemeClr val="accent2"/>
+          </a:effectRef>
+          <a:fontRef idx="minor">
+            <a:schemeClr val="dk1"/>
+          </a:fontRef>
+        </p:style>
+      </p:cxnSp>
+      <p:sp>
+        <p:nvSpPr>
+          <p:cNvPr id="52" name="Rectangle 11"/>
+          <p:cNvSpPr/>
+          <p:nvPr/>
+        </p:nvSpPr>
+        <p:spPr>
+          <a:xfrm>
+            <a:off x="3796045" y="5639565"/>
+            <a:ext cx="1084184" cy="239050"/>
+          </a:xfrm>
+          <a:prstGeom prst="rect">
+            <a:avLst/>
+          </a:prstGeom>
+          <a:ln w="19050">
+            <a:solidFill>
+              <a:schemeClr val="accent3"/>
+            </a:solidFill>
+          </a:ln>
+          <a:effectLst/>
+        </p:spPr>
+        <p:style>
+          <a:lnRef idx="1">
+            <a:schemeClr val="accent3"/>
+          </a:lnRef>
+          <a:fillRef idx="2">
+            <a:schemeClr val="accent3"/>
+          </a:fillRef>
+          <a:effectRef idx="1">
+            <a:schemeClr val="accent3"/>
+          </a:effectRef>
+          <a:fontRef idx="minor">
+            <a:schemeClr val="dk1"/>
+          </a:fontRef>
+        </p:style>
+        <p:txBody>
+          <a:bodyPr rtlCol="0" anchor="ctr"/>
+          <a:lstStyle/>
+          <a:p>
+            <a:pPr algn="ctr"/>
+            <a:r>
+              <a:rPr lang="en-US" sz="1050" b="1" dirty="0" err="1" smtClean="0">
+                <a:solidFill>
+                  <a:schemeClr val="accent3">
+                    <a:lumMod val="75000"/>
+                  </a:schemeClr>
+                </a:solidFill>
+              </a:rPr>
+              <a:t>TaskCard</a:t>
+            </a:r>
+            <a:endParaRPr lang="en-SG" sz="1050" b="1" dirty="0">
+              <a:solidFill>
+                <a:schemeClr val="accent3">
+                  <a:lumMod val="75000"/>
+                </a:schemeClr>
+              </a:solidFill>
+            </a:endParaRPr>
+          </a:p>
+        </p:txBody>
+      </p:sp>
+      <p:cxnSp>
+        <p:nvCxnSpPr>
+          <p:cNvPr id="54" name="Elbow Connector 63"/>
+          <p:cNvCxnSpPr/>
+          <p:nvPr/>
+        </p:nvCxnSpPr>
+        <p:spPr>
+          <a:xfrm rot="5400000">
+            <a:off x="4163747" y="4414501"/>
+            <a:ext cx="2061222" cy="649740"/>
+          </a:xfrm>
+          <a:prstGeom prst="bentConnector2">
+            <a:avLst/>
+          </a:prstGeom>
+          <a:ln w="6350">
+            <a:solidFill>
+              <a:schemeClr val="accent3"/>
+            </a:solidFill>
+            <a:headEnd type="none" w="med" len="med"/>
+            <a:tailEnd type="none" w="med" len="med"/>
+          </a:ln>
+          <a:effectLst/>
+        </p:spPr>
+        <p:style>
+          <a:lnRef idx="1">
+            <a:schemeClr val="accent2"/>
+          </a:lnRef>
+          <a:fillRef idx="2">
+            <a:schemeClr val="accent2"/>
+          </a:fillRef>
+          <a:effectRef idx="1">
+            <a:schemeClr val="accent2"/>
+          </a:effectRef>
+          <a:fontRef idx="minor">
+            <a:schemeClr val="dk1"/>
+          </a:fontRef>
+        </p:style>
+      </p:cxnSp>
+      <p:sp>
+        <p:nvSpPr>
+          <p:cNvPr id="56" name="Freeform 55"/>
+          <p:cNvSpPr/>
+          <p:nvPr/>
+        </p:nvSpPr>
+        <p:spPr>
+          <a:xfrm>
+            <a:off x="4205486" y="5209907"/>
+            <a:ext cx="2552712" cy="439444"/>
           </a:xfrm>
           <a:custGeom>
             <a:avLst/>
